--- a/assets/ppt/opt/opt4-code-opt.pptx
+++ b/assets/ppt/opt/opt4-code-opt.pptx
@@ -278,7 +278,7 @@
                 <a:latin typeface="Calibri"/>
               </a:rPr>
               <a:pPr/>
-              <a:t>11/14/20</a:t>
+              <a:t>11/16/20</a:t>
             </a:fld>
             <a:endParaRPr lang="en-US" dirty="0">
               <a:latin typeface="Calibri"/>
@@ -3792,7 +3792,7 @@
           <a:p>
             <a:fld id="{37508BEE-B66E-5E46-B50F-23B30D56323F}" type="datetime1">
               <a:rPr lang="en-CA" smtClean="0"/>
-              <a:t>2020-11-14</a:t>
+              <a:t>2020-11-16</a:t>
             </a:fld>
             <a:endParaRPr lang="en-US"/>
           </a:p>
@@ -3990,7 +3990,7 @@
           <a:p>
             <a:fld id="{94ED5F46-E862-7041-B839-1084A839C514}" type="datetime1">
               <a:rPr lang="en-CA" smtClean="0"/>
-              <a:t>2020-11-14</a:t>
+              <a:t>2020-11-16</a:t>
             </a:fld>
             <a:endParaRPr lang="en-US"/>
           </a:p>
@@ -4198,7 +4198,7 @@
           <a:p>
             <a:fld id="{A0755934-2EEA-454B-B47B-39481B16D93C}" type="datetime1">
               <a:rPr lang="en-CA" smtClean="0"/>
-              <a:t>2020-11-14</a:t>
+              <a:t>2020-11-16</a:t>
             </a:fld>
             <a:endParaRPr lang="en-US"/>
           </a:p>
@@ -5261,7 +5261,7 @@
           <a:p>
             <a:fld id="{33CDF6D5-475A-F046-87CA-412EB71D7141}" type="datetime1">
               <a:rPr lang="en-CA" smtClean="0"/>
-              <a:t>2020-11-14</a:t>
+              <a:t>2020-11-16</a:t>
             </a:fld>
             <a:endParaRPr/>
           </a:p>
@@ -5677,7 +5677,7 @@
           <a:p>
             <a:fld id="{BD806BE7-D4FF-0747-A46D-9D28D6793F9A}" type="datetime1">
               <a:rPr lang="en-CA" smtClean="0"/>
-              <a:t>2020-11-14</a:t>
+              <a:t>2020-11-16</a:t>
             </a:fld>
             <a:endParaRPr lang="en-US"/>
           </a:p>
@@ -5952,7 +5952,7 @@
           <a:p>
             <a:fld id="{FC112D8A-ADE8-E648-9A51-673455F77FA4}" type="datetime1">
               <a:rPr lang="en-CA" smtClean="0"/>
-              <a:t>2020-11-14</a:t>
+              <a:t>2020-11-16</a:t>
             </a:fld>
             <a:endParaRPr lang="en-US"/>
           </a:p>
@@ -6217,7 +6217,7 @@
           <a:p>
             <a:fld id="{A1C4D21D-FE66-404B-9D48-8813A41FDE83}" type="datetime1">
               <a:rPr lang="en-CA" smtClean="0"/>
-              <a:t>2020-11-14</a:t>
+              <a:t>2020-11-16</a:t>
             </a:fld>
             <a:endParaRPr lang="en-US"/>
           </a:p>
@@ -6629,7 +6629,7 @@
           <a:p>
             <a:fld id="{BC43913A-9187-9E4F-99AD-E5F9D3D715A1}" type="datetime1">
               <a:rPr lang="en-CA" smtClean="0"/>
-              <a:t>2020-11-14</a:t>
+              <a:t>2020-11-16</a:t>
             </a:fld>
             <a:endParaRPr lang="en-US"/>
           </a:p>
@@ -6770,7 +6770,7 @@
           <a:p>
             <a:fld id="{D640FCF0-750B-2849-A907-F64332DB8FEE}" type="datetime1">
               <a:rPr lang="en-CA" smtClean="0"/>
-              <a:t>2020-11-14</a:t>
+              <a:t>2020-11-16</a:t>
             </a:fld>
             <a:endParaRPr lang="en-US"/>
           </a:p>
@@ -6883,7 +6883,7 @@
           <a:p>
             <a:fld id="{C84DF663-3970-9B45-8274-AA8FABDA274B}" type="datetime1">
               <a:rPr lang="en-CA" smtClean="0"/>
-              <a:t>2020-11-14</a:t>
+              <a:t>2020-11-16</a:t>
             </a:fld>
             <a:endParaRPr lang="en-US"/>
           </a:p>
@@ -7194,7 +7194,7 @@
           <a:p>
             <a:fld id="{2EE809A3-0E53-524E-A233-B12C5DA91D99}" type="datetime1">
               <a:rPr lang="en-CA" smtClean="0"/>
-              <a:t>2020-11-14</a:t>
+              <a:t>2020-11-16</a:t>
             </a:fld>
             <a:endParaRPr lang="en-US"/>
           </a:p>
@@ -7482,7 +7482,7 @@
           <a:p>
             <a:fld id="{CBAFDF68-DD51-514E-B179-E22080947065}" type="datetime1">
               <a:rPr lang="en-CA" smtClean="0"/>
-              <a:t>2020-11-14</a:t>
+              <a:t>2020-11-16</a:t>
             </a:fld>
             <a:endParaRPr lang="en-US"/>
           </a:p>
@@ -7724,7 +7724,7 @@
           <a:p>
             <a:fld id="{CFB5B512-1C0B-5F4A-B1D8-07EED328189A}" type="datetime1">
               <a:rPr lang="en-CA" smtClean="0"/>
-              <a:t>2020-11-14</a:t>
+              <a:t>2020-11-16</a:t>
             </a:fld>
             <a:endParaRPr lang="en-US" dirty="0"/>
           </a:p>
@@ -18934,11 +18934,11 @@
             </a:pPr>
             <a:r>
               <a:rPr lang="en-US" sz="1800" dirty="0" err="1"/>
-              <a:t>int</a:t>
+              <a:t>func</a:t>
             </a:r>
             <a:r>
               <a:rPr lang="en-US" sz="1800" dirty="0"/>
-              <a:t> main() {</a:t>
+              <a:t> main() int {</a:t>
             </a:r>
           </a:p>
           <a:p>
@@ -18947,25 +18947,10 @@
               <a:buNone/>
             </a:pPr>
             <a:r>
-              <a:rPr lang="en-US" sz="1800" dirty="0"/>
-              <a:t>    </a:t>
-            </a:r>
-            <a:r>
-              <a:rPr lang="en-US" sz="1800" dirty="0" err="1"/>
-              <a:t>int</a:t>
-            </a:r>
-            <a:r>
-              <a:rPr lang="en-US" sz="1800" dirty="0"/>
-              <a:t> </a:t>
-            </a:r>
-            <a:r>
-              <a:rPr lang="en-US" sz="1800" dirty="0" err="1"/>
-              <a:t>x</a:t>
-            </a:r>
-            <a:r>
-              <a:rPr lang="en-US" sz="1800" dirty="0"/>
-              <a:t>;</a:t>
-            </a:r>
+              <a:rPr lang="en-US" sz="1800"/>
+              <a:t>    var x int;</a:t>
+            </a:r>
+            <a:endParaRPr lang="en-US" sz="1800" dirty="0"/>
           </a:p>
           <a:p>
             <a:pPr>
